--- a/COPA Project Poster_conclusion_added - Group 6.pptx
+++ b/COPA Project Poster_conclusion_added - Group 6.pptx
@@ -2135,7 +2135,7 @@
         </p:nvSpPr>
         <p:spPr bwMode="auto">
           <a:xfrm>
-            <a:off x="15011400" y="4267201"/>
+            <a:off x="15011401" y="4306353"/>
             <a:ext cx="8503550" cy="17231856"/>
           </a:xfrm>
           <a:prstGeom prst="rect">
@@ -2179,7 +2179,7 @@
               <a:buNone/>
               <a:tabLst/>
             </a:pPr>
-            <a:endParaRPr kumimoji="0" lang="en-CA" sz="2200" b="0" i="0" u="none" strike="noStrike" cap="none" normalizeH="0" baseline="0">
+            <a:endParaRPr kumimoji="0" lang="en-CA" sz="2200" b="0" i="0" u="none" strike="noStrike" cap="none" normalizeH="0" baseline="0" dirty="0">
               <a:ln>
                 <a:noFill/>
               </a:ln>
@@ -6602,7 +6602,7 @@
         </p:nvSpPr>
         <p:spPr>
           <a:xfrm>
-            <a:off x="15544801" y="14775054"/>
+            <a:off x="15552652" y="14215690"/>
             <a:ext cx="4729178" cy="2462213"/>
           </a:xfrm>
           <a:prstGeom prst="rect">
@@ -6739,6 +6739,57 @@
             </a:endParaRPr>
           </a:p>
           <a:p>
+            <a:endParaRPr lang="en-US" dirty="0">
+              <a:latin typeface="Calibri" panose="020F0502020204030204" pitchFamily="34" charset="0"/>
+              <a:cs typeface="Calibri" panose="020F0502020204030204" pitchFamily="34" charset="0"/>
+            </a:endParaRPr>
+          </a:p>
+        </p:txBody>
+      </p:sp>
+      <p:sp>
+        <p:nvSpPr>
+          <p:cNvPr id="35" name="TextBox 34">
+            <a:extLst>
+              <a:ext uri="{FF2B5EF4-FFF2-40B4-BE49-F238E27FC236}">
+                <a16:creationId xmlns:a16="http://schemas.microsoft.com/office/drawing/2014/main" id="{4A9B291D-B659-A443-B4DE-DF031D75B2D5}"/>
+              </a:ext>
+            </a:extLst>
+          </p:cNvPr>
+          <p:cNvSpPr txBox="1"/>
+          <p:nvPr/>
+        </p:nvSpPr>
+        <p:spPr>
+          <a:xfrm>
+            <a:off x="15542853" y="16731647"/>
+            <a:ext cx="2225901" cy="3477875"/>
+          </a:xfrm>
+          <a:prstGeom prst="rect">
+            <a:avLst/>
+          </a:prstGeom>
+          <a:noFill/>
+        </p:spPr>
+        <p:txBody>
+          <a:bodyPr wrap="square" rtlCol="0">
+            <a:spAutoFit/>
+          </a:bodyPr>
+          <a:lstStyle/>
+          <a:p>
+            <a:r>
+              <a:rPr lang="en-CA" dirty="0">
+                <a:latin typeface="Calibri" panose="020F0502020204030204" pitchFamily="34" charset="0"/>
+                <a:cs typeface="Calibri" panose="020F0502020204030204" pitchFamily="34" charset="0"/>
+              </a:rPr>
+              <a:t>Both encoder and decoder share the same number in network depth.</a:t>
+            </a:r>
+          </a:p>
+          <a:p>
+            <a:r>
+              <a:rPr lang="en-CA" dirty="0">
+                <a:latin typeface="Calibri" panose="020F0502020204030204" pitchFamily="34" charset="0"/>
+                <a:cs typeface="Calibri" panose="020F0502020204030204" pitchFamily="34" charset="0"/>
+              </a:rPr>
+              <a:t>Both consists of two layers, a self-attention layer and a feedforward neural network</a:t>
+            </a:r>
             <a:endParaRPr lang="en-US" dirty="0">
               <a:latin typeface="Calibri" panose="020F0502020204030204" pitchFamily="34" charset="0"/>
               <a:cs typeface="Calibri" panose="020F0502020204030204" pitchFamily="34" charset="0"/>
